--- a/2025-03-smartcomponents/Smarte webkomponenter med lokal AI KI.pptx
+++ b/2025-03-smartcomponents/Smarte webkomponenter med lokal AI KI.pptx
@@ -12841,24 +12841,7 @@
           <a:bodyPr/>
           <a:lstStyle/>
           <a:p>
-            <a:r>
-              <a:rPr lang="nb-NO" dirty="0"/>
-              <a:t>On-</a:t>
-            </a:r>
-            <a:r>
-              <a:rPr lang="nb-NO" dirty="0" err="1"/>
-              <a:t>device</a:t>
-            </a:r>
-            <a:r>
-              <a:rPr lang="nb-NO" dirty="0"/>
-              <a:t> AI. Spesialsydde modeller for bruk på for eksempel en telefon eller en klokke.</a:t>
-            </a:r>
-          </a:p>
-          <a:p>
-            <a:r>
-              <a:rPr lang="nb-NO" dirty="0"/>
-              <a:t>Kundesupport bot. Spesielt opplært for å svare på en bestemt mengde spørsmål.</a:t>
-            </a:r>
+            <a:endParaRPr lang="nb-NO" dirty="0"/>
           </a:p>
         </p:txBody>
       </p:sp>
@@ -12942,24 +12925,7 @@
           <a:bodyPr/>
           <a:lstStyle/>
           <a:p>
-            <a:r>
-              <a:rPr lang="nb-NO" dirty="0"/>
-              <a:t>Bruker Mistral 7B.</a:t>
-            </a:r>
-          </a:p>
-          <a:p>
-            <a:r>
-              <a:rPr lang="nb-NO" dirty="0"/>
-              <a:t>Har prøvd </a:t>
-            </a:r>
-            <a:r>
-              <a:rPr lang="nb-NO" dirty="0" err="1"/>
-              <a:t>Codestral</a:t>
-            </a:r>
-            <a:r>
-              <a:rPr lang="nb-NO" dirty="0"/>
-              <a:t> 12B, treig.</a:t>
-            </a:r>
+            <a:endParaRPr lang="nb-NO" dirty="0"/>
           </a:p>
         </p:txBody>
       </p:sp>

--- a/2025-03-smartcomponents/Smarte webkomponenter med lokal AI KI.pptx
+++ b/2025-03-smartcomponents/Smarte webkomponenter med lokal AI KI.pptx
@@ -22656,34 +22656,34 @@
           <a:lstStyle/>
           <a:p>
             <a:r>
-              <a:rPr lang="nb-NO" sz="2000"/>
+              <a:rPr lang="nb-NO" sz="2000" dirty="0"/>
               <a:t>Lenker</a:t>
             </a:r>
           </a:p>
           <a:p>
             <a:pPr lvl="1"/>
             <a:r>
-              <a:rPr lang="nb-NO" sz="2000">
+              <a:rPr lang="nb-NO" sz="2000" dirty="0">
                 <a:hlinkClick r:id="rId2"/>
               </a:rPr>
               <a:t>https://mistral.ai/</a:t>
             </a:r>
-            <a:endParaRPr lang="nb-NO" sz="2000"/>
+            <a:endParaRPr lang="nb-NO" sz="2000" dirty="0"/>
           </a:p>
           <a:p>
             <a:pPr lvl="1"/>
             <a:r>
-              <a:rPr lang="nb-NO" sz="2000">
+              <a:rPr lang="nb-NO" sz="2000" dirty="0">
                 <a:hlinkClick r:id="rId3"/>
               </a:rPr>
               <a:t>https://youtu.be/TSNAvFJoP4M</a:t>
             </a:r>
-            <a:endParaRPr lang="nb-NO" sz="2000"/>
+            <a:endParaRPr lang="nb-NO" sz="2000" dirty="0"/>
           </a:p>
           <a:p>
             <a:pPr lvl="1"/>
             <a:r>
-              <a:rPr lang="nb-NO" sz="2000">
+              <a:rPr lang="nb-NO" sz="2000" dirty="0">
                 <a:hlinkClick r:id="rId4"/>
               </a:rPr>
               <a:t>https://ollama.com/</a:t>
@@ -22692,16 +22692,39 @@
           <a:p>
             <a:pPr lvl="1"/>
             <a:r>
-              <a:rPr lang="nb-NO" sz="2000">
+              <a:rPr lang="nb-NO" sz="2000" dirty="0">
                 <a:hlinkClick r:id="rId4"/>
               </a:rPr>
               <a:t>https://github.com/awaescher/OllamaSharp</a:t>
             </a:r>
-            <a:endParaRPr lang="nb-NO" sz="2000"/>
+            <a:endParaRPr lang="nb-NO" sz="2000" dirty="0"/>
           </a:p>
           <a:p>
             <a:pPr lvl="1"/>
-            <a:endParaRPr lang="nb-NO" sz="2000"/>
+            <a:endParaRPr lang="nb-NO" sz="2000" dirty="0"/>
+          </a:p>
+          <a:p>
+            <a:r>
+              <a:rPr lang="nb-NO" sz="2400" dirty="0"/>
+              <a:t>Alle lenker i klikkbart format </a:t>
+            </a:r>
+            <a:r>
+              <a:rPr lang="nb-NO" sz="2400"/>
+              <a:t>på </a:t>
+            </a:r>
+            <a:r>
+              <a:rPr lang="nb-NO" sz="2400">
+                <a:hlinkClick r:id="rId5"/>
+              </a:rPr>
+              <a:t>https://talks.chwa.dev</a:t>
+            </a:r>
+            <a:endParaRPr lang="nb-NO" sz="2400"/>
+          </a:p>
+          <a:p>
+            <a:endParaRPr lang="nb-NO" sz="2400"/>
+          </a:p>
+          <a:p>
+            <a:endParaRPr lang="nb-NO" sz="2400" dirty="0"/>
           </a:p>
         </p:txBody>
       </p:sp>
@@ -23020,7 +23043,7 @@
           <p:nvPr/>
         </p:nvPicPr>
         <p:blipFill>
-          <a:blip r:embed="rId5"/>
+          <a:blip r:embed="rId6"/>
           <a:stretch>
             <a:fillRect/>
           </a:stretch>

--- a/2025-03-smartcomponents/Smarte webkomponenter med lokal AI KI.pptx
+++ b/2025-03-smartcomponents/Smarte webkomponenter med lokal AI KI.pptx
@@ -22706,22 +22706,18 @@
           <a:p>
             <a:r>
               <a:rPr lang="nb-NO" sz="2400" dirty="0"/>
-              <a:t>Alle lenker i klikkbart format </a:t>
+              <a:t>Alle lenker i klikkbart format på </a:t>
             </a:r>
             <a:r>
-              <a:rPr lang="nb-NO" sz="2400"/>
-              <a:t>på </a:t>
-            </a:r>
-            <a:r>
-              <a:rPr lang="nb-NO" sz="2400">
+              <a:rPr lang="nb-NO" sz="2400" dirty="0">
                 <a:hlinkClick r:id="rId5"/>
               </a:rPr>
               <a:t>https://talks.chwa.dev</a:t>
             </a:r>
-            <a:endParaRPr lang="nb-NO" sz="2400"/>
+            <a:endParaRPr lang="nb-NO" sz="2400" dirty="0"/>
           </a:p>
           <a:p>
-            <a:endParaRPr lang="nb-NO" sz="2400"/>
+            <a:endParaRPr lang="nb-NO" sz="2400" dirty="0"/>
           </a:p>
           <a:p>
             <a:endParaRPr lang="nb-NO" sz="2400" dirty="0"/>
